--- a/talks/2021-03-18-Mike-mtg.pptx
+++ b/talks/2021-03-18-Mike-mtg.pptx
@@ -8,18 +8,19 @@
     <p:sldId id="256" r:id="rId2"/>
     <p:sldId id="257" r:id="rId3"/>
     <p:sldId id="270" r:id="rId4"/>
-    <p:sldId id="271" r:id="rId5"/>
-    <p:sldId id="266" r:id="rId6"/>
-    <p:sldId id="259" r:id="rId7"/>
-    <p:sldId id="261" r:id="rId8"/>
-    <p:sldId id="260" r:id="rId9"/>
-    <p:sldId id="264" r:id="rId10"/>
-    <p:sldId id="269" r:id="rId11"/>
-    <p:sldId id="272" r:id="rId12"/>
+    <p:sldId id="273" r:id="rId5"/>
+    <p:sldId id="274" r:id="rId6"/>
+    <p:sldId id="271" r:id="rId7"/>
+    <p:sldId id="266" r:id="rId8"/>
+    <p:sldId id="259" r:id="rId9"/>
+    <p:sldId id="261" r:id="rId10"/>
+    <p:sldId id="260" r:id="rId11"/>
+    <p:sldId id="264" r:id="rId12"/>
     <p:sldId id="267" r:id="rId13"/>
     <p:sldId id="268" r:id="rId14"/>
-    <p:sldId id="265" r:id="rId15"/>
-    <p:sldId id="258" r:id="rId16"/>
+    <p:sldId id="272" r:id="rId15"/>
+    <p:sldId id="265" r:id="rId16"/>
+    <p:sldId id="258" r:id="rId17"/>
   </p:sldIdLst>
   <p:sldSz cx="12192000" cy="6858000"/>
   <p:notesSz cx="6858000" cy="9144000"/>
@@ -118,6 +119,11 @@
       </a:defRPr>
     </a:lvl9pPr>
   </p:defaultTextStyle>
+  <p:extLst>
+    <p:ext uri="{EFAFB233-063F-42B5-8137-9DF3F51BA10A}">
+      <p15:sldGuideLst xmlns:p15="http://schemas.microsoft.com/office/powerpoint/2012/main"/>
+    </p:ext>
+  </p:extLst>
 </p:presentation>
 </file>
 
@@ -268,7 +274,7 @@
           <a:p>
             <a:fld id="{3084BC4A-6F8E-4815-B533-E7BAF4B5CA15}" type="datetimeFigureOut">
               <a:rPr lang="en-US" smtClean="0"/>
-              <a:t>3/17/2021</a:t>
+              <a:t>3/18/2021</a:t>
             </a:fld>
             <a:endParaRPr lang="en-US"/>
           </a:p>
@@ -466,7 +472,7 @@
           <a:p>
             <a:fld id="{3084BC4A-6F8E-4815-B533-E7BAF4B5CA15}" type="datetimeFigureOut">
               <a:rPr lang="en-US" smtClean="0"/>
-              <a:t>3/17/2021</a:t>
+              <a:t>3/18/2021</a:t>
             </a:fld>
             <a:endParaRPr lang="en-US"/>
           </a:p>
@@ -674,7 +680,7 @@
           <a:p>
             <a:fld id="{3084BC4A-6F8E-4815-B533-E7BAF4B5CA15}" type="datetimeFigureOut">
               <a:rPr lang="en-US" smtClean="0"/>
-              <a:t>3/17/2021</a:t>
+              <a:t>3/18/2021</a:t>
             </a:fld>
             <a:endParaRPr lang="en-US"/>
           </a:p>
@@ -872,7 +878,7 @@
           <a:p>
             <a:fld id="{3084BC4A-6F8E-4815-B533-E7BAF4B5CA15}" type="datetimeFigureOut">
               <a:rPr lang="en-US" smtClean="0"/>
-              <a:t>3/17/2021</a:t>
+              <a:t>3/18/2021</a:t>
             </a:fld>
             <a:endParaRPr lang="en-US"/>
           </a:p>
@@ -1147,7 +1153,7 @@
           <a:p>
             <a:fld id="{3084BC4A-6F8E-4815-B533-E7BAF4B5CA15}" type="datetimeFigureOut">
               <a:rPr lang="en-US" smtClean="0"/>
-              <a:t>3/17/2021</a:t>
+              <a:t>3/18/2021</a:t>
             </a:fld>
             <a:endParaRPr lang="en-US"/>
           </a:p>
@@ -1412,7 +1418,7 @@
           <a:p>
             <a:fld id="{3084BC4A-6F8E-4815-B533-E7BAF4B5CA15}" type="datetimeFigureOut">
               <a:rPr lang="en-US" smtClean="0"/>
-              <a:t>3/17/2021</a:t>
+              <a:t>3/18/2021</a:t>
             </a:fld>
             <a:endParaRPr lang="en-US"/>
           </a:p>
@@ -1824,7 +1830,7 @@
           <a:p>
             <a:fld id="{3084BC4A-6F8E-4815-B533-E7BAF4B5CA15}" type="datetimeFigureOut">
               <a:rPr lang="en-US" smtClean="0"/>
-              <a:t>3/17/2021</a:t>
+              <a:t>3/18/2021</a:t>
             </a:fld>
             <a:endParaRPr lang="en-US"/>
           </a:p>
@@ -1965,7 +1971,7 @@
           <a:p>
             <a:fld id="{3084BC4A-6F8E-4815-B533-E7BAF4B5CA15}" type="datetimeFigureOut">
               <a:rPr lang="en-US" smtClean="0"/>
-              <a:t>3/17/2021</a:t>
+              <a:t>3/18/2021</a:t>
             </a:fld>
             <a:endParaRPr lang="en-US"/>
           </a:p>
@@ -2078,7 +2084,7 @@
           <a:p>
             <a:fld id="{3084BC4A-6F8E-4815-B533-E7BAF4B5CA15}" type="datetimeFigureOut">
               <a:rPr lang="en-US" smtClean="0"/>
-              <a:t>3/17/2021</a:t>
+              <a:t>3/18/2021</a:t>
             </a:fld>
             <a:endParaRPr lang="en-US"/>
           </a:p>
@@ -2389,7 +2395,7 @@
           <a:p>
             <a:fld id="{3084BC4A-6F8E-4815-B533-E7BAF4B5CA15}" type="datetimeFigureOut">
               <a:rPr lang="en-US" smtClean="0"/>
-              <a:t>3/17/2021</a:t>
+              <a:t>3/18/2021</a:t>
             </a:fld>
             <a:endParaRPr lang="en-US"/>
           </a:p>
@@ -2677,7 +2683,7 @@
           <a:p>
             <a:fld id="{3084BC4A-6F8E-4815-B533-E7BAF4B5CA15}" type="datetimeFigureOut">
               <a:rPr lang="en-US" smtClean="0"/>
-              <a:t>3/17/2021</a:t>
+              <a:t>3/18/2021</a:t>
             </a:fld>
             <a:endParaRPr lang="en-US"/>
           </a:p>
@@ -2918,7 +2924,7 @@
           <a:p>
             <a:fld id="{3084BC4A-6F8E-4815-B533-E7BAF4B5CA15}" type="datetimeFigureOut">
               <a:rPr lang="en-US" smtClean="0"/>
-              <a:t>3/17/2021</a:t>
+              <a:t>3/18/2021</a:t>
             </a:fld>
             <a:endParaRPr lang="en-US"/>
           </a:p>
@@ -3429,30 +3435,404 @@
           <a:chExt cx="0" cy="0"/>
         </a:xfrm>
       </p:grpSpPr>
-      <p:sp>
-        <p:nvSpPr>
-          <p:cNvPr id="2" name="Title 1">
-            <a:extLst>
-              <a:ext uri="{FF2B5EF4-FFF2-40B4-BE49-F238E27FC236}">
-                <a16:creationId xmlns:a16="http://schemas.microsoft.com/office/drawing/2014/main" id="{A879B718-7ABF-4725-B084-411332164EAC}"/>
-              </a:ext>
-            </a:extLst>
-          </p:cNvPr>
-          <p:cNvSpPr>
-            <a:spLocks noGrp="1"/>
-          </p:cNvSpPr>
-          <p:nvPr>
-            <p:ph type="title"/>
-          </p:nvPr>
-        </p:nvSpPr>
-        <p:spPr/>
-        <p:txBody>
-          <a:bodyPr/>
+      <p:pic>
+        <p:nvPicPr>
+          <p:cNvPr id="17" name="Picture 16">
+            <a:extLst>
+              <a:ext uri="{FF2B5EF4-FFF2-40B4-BE49-F238E27FC236}">
+                <a16:creationId xmlns:a16="http://schemas.microsoft.com/office/drawing/2014/main" id="{1CD46A8E-5A22-426A-8338-0DA234B3A0F2}"/>
+              </a:ext>
+            </a:extLst>
+          </p:cNvPr>
+          <p:cNvPicPr>
+            <a:picLocks noChangeAspect="1"/>
+          </p:cNvPicPr>
+          <p:nvPr/>
+        </p:nvPicPr>
+        <p:blipFill>
+          <a:blip r:embed="rId2"/>
+          <a:stretch>
+            <a:fillRect/>
+          </a:stretch>
+        </p:blipFill>
+        <p:spPr>
+          <a:xfrm>
+            <a:off x="1359679" y="422078"/>
+            <a:ext cx="9472641" cy="6013844"/>
+          </a:xfrm>
+          <a:prstGeom prst="rect">
+            <a:avLst/>
+          </a:prstGeom>
+        </p:spPr>
+      </p:pic>
+      <p:grpSp>
+        <p:nvGrpSpPr>
+          <p:cNvPr id="6" name="Group 5">
+            <a:extLst>
+              <a:ext uri="{FF2B5EF4-FFF2-40B4-BE49-F238E27FC236}">
+                <a16:creationId xmlns:a16="http://schemas.microsoft.com/office/drawing/2014/main" id="{44D58CBA-14FF-48D5-9F9A-9F21971CDF1B}"/>
+              </a:ext>
+            </a:extLst>
+          </p:cNvPr>
+          <p:cNvGrpSpPr/>
+          <p:nvPr/>
+        </p:nvGrpSpPr>
+        <p:grpSpPr>
+          <a:xfrm>
+            <a:off x="9090532" y="2027903"/>
+            <a:ext cx="2775998" cy="2526657"/>
+            <a:chOff x="5300662" y="2705099"/>
+            <a:chExt cx="2775998" cy="2526657"/>
+          </a:xfrm>
+        </p:grpSpPr>
+        <p:pic>
+          <p:nvPicPr>
+            <p:cNvPr id="3" name="Picture 2">
+              <a:extLst>
+                <a:ext uri="{FF2B5EF4-FFF2-40B4-BE49-F238E27FC236}">
+                  <a16:creationId xmlns:a16="http://schemas.microsoft.com/office/drawing/2014/main" id="{051B18FE-6816-4D56-B789-6D454ECFD006}"/>
+                </a:ext>
+              </a:extLst>
+            </p:cNvPr>
+            <p:cNvPicPr>
+              <a:picLocks noChangeAspect="1"/>
+            </p:cNvPicPr>
+            <p:nvPr/>
+          </p:nvPicPr>
+          <p:blipFill>
+            <a:blip r:embed="rId3"/>
+            <a:stretch>
+              <a:fillRect/>
+            </a:stretch>
+          </p:blipFill>
+          <p:spPr>
+            <a:xfrm>
+              <a:off x="5300662" y="2705099"/>
+              <a:ext cx="2775998" cy="2526657"/>
+            </a:xfrm>
+            <a:prstGeom prst="rect">
+              <a:avLst/>
+            </a:prstGeom>
+          </p:spPr>
+        </p:pic>
+        <p:sp>
+          <p:nvSpPr>
+            <p:cNvPr id="4" name="TextBox 3">
+              <a:extLst>
+                <a:ext uri="{FF2B5EF4-FFF2-40B4-BE49-F238E27FC236}">
+                  <a16:creationId xmlns:a16="http://schemas.microsoft.com/office/drawing/2014/main" id="{E939DA30-A53B-4B33-AA27-92870385FF18}"/>
+                </a:ext>
+              </a:extLst>
+            </p:cNvPr>
+            <p:cNvSpPr txBox="1"/>
+            <p:nvPr/>
+          </p:nvSpPr>
+          <p:spPr>
+            <a:xfrm>
+              <a:off x="6121111" y="3207047"/>
+              <a:ext cx="1874552" cy="646331"/>
+            </a:xfrm>
+            <a:prstGeom prst="rect">
+              <a:avLst/>
+            </a:prstGeom>
+            <a:noFill/>
+          </p:spPr>
+          <p:txBody>
+            <a:bodyPr wrap="none" rtlCol="0">
+              <a:spAutoFit/>
+            </a:bodyPr>
+            <a:lstStyle/>
+            <a:p>
+              <a:r>
+                <a:rPr lang="en-US" b="1" dirty="0"/>
+                <a:t>Gap = 5331 kg/ha</a:t>
+              </a:r>
+            </a:p>
+            <a:p>
+              <a:r>
+                <a:rPr lang="en-US" b="1" dirty="0"/>
+                <a:t>%N = 10%</a:t>
+              </a:r>
+            </a:p>
+          </p:txBody>
+        </p:sp>
+        <p:sp>
+          <p:nvSpPr>
+            <p:cNvPr id="5" name="TextBox 4">
+              <a:extLst>
+                <a:ext uri="{FF2B5EF4-FFF2-40B4-BE49-F238E27FC236}">
+                  <a16:creationId xmlns:a16="http://schemas.microsoft.com/office/drawing/2014/main" id="{FCB81D5B-4A90-4EF2-92C3-678BC4A24E77}"/>
+                </a:ext>
+              </a:extLst>
+            </p:cNvPr>
+            <p:cNvSpPr txBox="1"/>
+            <p:nvPr/>
+          </p:nvSpPr>
+          <p:spPr>
+            <a:xfrm>
+              <a:off x="5584403" y="2837715"/>
+              <a:ext cx="821059" cy="369332"/>
+            </a:xfrm>
+            <a:prstGeom prst="rect">
+              <a:avLst/>
+            </a:prstGeom>
+            <a:noFill/>
+          </p:spPr>
+          <p:txBody>
+            <a:bodyPr wrap="none" rtlCol="0">
+              <a:spAutoFit/>
+            </a:bodyPr>
+            <a:lstStyle/>
+            <a:p>
+              <a:r>
+                <a:rPr lang="en-US" b="1" dirty="0" err="1"/>
+                <a:t>Monm</a:t>
+              </a:r>
+              <a:endParaRPr lang="en-US" b="1" dirty="0"/>
+            </a:p>
+          </p:txBody>
+        </p:sp>
+      </p:grpSp>
+      <p:grpSp>
+        <p:nvGrpSpPr>
+          <p:cNvPr id="13" name="Group 12">
+            <a:extLst>
+              <a:ext uri="{FF2B5EF4-FFF2-40B4-BE49-F238E27FC236}">
+                <a16:creationId xmlns:a16="http://schemas.microsoft.com/office/drawing/2014/main" id="{04C59C44-22F3-480B-806C-3FE46BEE217D}"/>
+              </a:ext>
+            </a:extLst>
+          </p:cNvPr>
+          <p:cNvGrpSpPr/>
+          <p:nvPr/>
+        </p:nvGrpSpPr>
+        <p:grpSpPr>
+          <a:xfrm>
+            <a:off x="5268645" y="2176096"/>
+            <a:ext cx="2858478" cy="2505808"/>
+            <a:chOff x="4666761" y="2176095"/>
+            <a:chExt cx="2858478" cy="2505808"/>
+          </a:xfrm>
+        </p:grpSpPr>
+        <p:pic>
+          <p:nvPicPr>
+            <p:cNvPr id="8" name="Picture 7">
+              <a:extLst>
+                <a:ext uri="{FF2B5EF4-FFF2-40B4-BE49-F238E27FC236}">
+                  <a16:creationId xmlns:a16="http://schemas.microsoft.com/office/drawing/2014/main" id="{9D838016-A873-45AB-821B-AC538BF721F0}"/>
+                </a:ext>
+              </a:extLst>
+            </p:cNvPr>
+            <p:cNvPicPr>
+              <a:picLocks noChangeAspect="1"/>
+            </p:cNvPicPr>
+            <p:nvPr/>
+          </p:nvPicPr>
+          <p:blipFill>
+            <a:blip r:embed="rId4"/>
+            <a:stretch>
+              <a:fillRect/>
+            </a:stretch>
+          </p:blipFill>
+          <p:spPr>
+            <a:xfrm>
+              <a:off x="4666761" y="2176095"/>
+              <a:ext cx="2858478" cy="2505808"/>
+            </a:xfrm>
+            <a:prstGeom prst="rect">
+              <a:avLst/>
+            </a:prstGeom>
+          </p:spPr>
+        </p:pic>
+        <p:sp>
+          <p:nvSpPr>
+            <p:cNvPr id="9" name="TextBox 8">
+              <a:extLst>
+                <a:ext uri="{FF2B5EF4-FFF2-40B4-BE49-F238E27FC236}">
+                  <a16:creationId xmlns:a16="http://schemas.microsoft.com/office/drawing/2014/main" id="{EBB67EDD-F860-4755-A249-472176D1B6D2}"/>
+                </a:ext>
+              </a:extLst>
+            </p:cNvPr>
+            <p:cNvSpPr txBox="1"/>
+            <p:nvPr/>
+          </p:nvSpPr>
+          <p:spPr>
+            <a:xfrm>
+              <a:off x="4782027" y="2726686"/>
+              <a:ext cx="1874552" cy="646331"/>
+            </a:xfrm>
+            <a:prstGeom prst="rect">
+              <a:avLst/>
+            </a:prstGeom>
+            <a:noFill/>
+          </p:spPr>
+          <p:txBody>
+            <a:bodyPr wrap="none" rtlCol="0">
+              <a:spAutoFit/>
+            </a:bodyPr>
+            <a:lstStyle/>
+            <a:p>
+              <a:r>
+                <a:rPr lang="en-US" b="1" dirty="0"/>
+                <a:t>Gap = 4502 kg/ha</a:t>
+              </a:r>
+            </a:p>
+            <a:p>
+              <a:r>
+                <a:rPr lang="en-US" b="1" dirty="0"/>
+                <a:t>%N = 10%</a:t>
+              </a:r>
+            </a:p>
+          </p:txBody>
+        </p:sp>
+        <p:sp>
+          <p:nvSpPr>
+            <p:cNvPr id="10" name="TextBox 9">
+              <a:extLst>
+                <a:ext uri="{FF2B5EF4-FFF2-40B4-BE49-F238E27FC236}">
+                  <a16:creationId xmlns:a16="http://schemas.microsoft.com/office/drawing/2014/main" id="{B27FE7CA-9656-48B7-9CCE-A1E6ECA22528}"/>
+                </a:ext>
+              </a:extLst>
+            </p:cNvPr>
+            <p:cNvSpPr txBox="1"/>
+            <p:nvPr/>
+          </p:nvSpPr>
+          <p:spPr>
+            <a:xfrm>
+              <a:off x="4868702" y="2357354"/>
+              <a:ext cx="666721" cy="369332"/>
+            </a:xfrm>
+            <a:prstGeom prst="rect">
+              <a:avLst/>
+            </a:prstGeom>
+            <a:noFill/>
+          </p:spPr>
+          <p:txBody>
+            <a:bodyPr wrap="none" rtlCol="0">
+              <a:spAutoFit/>
+            </a:bodyPr>
+            <a:lstStyle/>
+            <a:p>
+              <a:r>
+                <a:rPr lang="en-US" b="1" dirty="0"/>
+                <a:t>Craw</a:t>
+              </a:r>
+            </a:p>
+          </p:txBody>
+        </p:sp>
+      </p:grpSp>
+      <p:cxnSp>
+        <p:nvCxnSpPr>
+          <p:cNvPr id="15" name="Straight Arrow Connector 14">
+            <a:extLst>
+              <a:ext uri="{FF2B5EF4-FFF2-40B4-BE49-F238E27FC236}">
+                <a16:creationId xmlns:a16="http://schemas.microsoft.com/office/drawing/2014/main" id="{C6D86D73-63ED-42FF-95DA-7F67F5A2A3AF}"/>
+              </a:ext>
+            </a:extLst>
+          </p:cNvPr>
+          <p:cNvCxnSpPr>
+            <a:cxnSpLocks/>
+          </p:cNvCxnSpPr>
+          <p:nvPr/>
+        </p:nvCxnSpPr>
+        <p:spPr>
+          <a:xfrm>
+            <a:off x="7592992" y="4352081"/>
+            <a:ext cx="1365813" cy="706056"/>
+          </a:xfrm>
+          <a:prstGeom prst="straightConnector1">
+            <a:avLst/>
+          </a:prstGeom>
+          <a:ln w="57150">
+            <a:tailEnd type="triangle"/>
+          </a:ln>
+        </p:spPr>
+        <p:style>
+          <a:lnRef idx="1">
+            <a:schemeClr val="accent1"/>
+          </a:lnRef>
+          <a:fillRef idx="0">
+            <a:schemeClr val="accent1"/>
+          </a:fillRef>
+          <a:effectRef idx="0">
+            <a:schemeClr val="accent1"/>
+          </a:effectRef>
+          <a:fontRef idx="minor">
+            <a:schemeClr val="tx1"/>
+          </a:fontRef>
+        </p:style>
+      </p:cxnSp>
+      <p:cxnSp>
+        <p:nvCxnSpPr>
+          <p:cNvPr id="16" name="Straight Arrow Connector 15">
+            <a:extLst>
+              <a:ext uri="{FF2B5EF4-FFF2-40B4-BE49-F238E27FC236}">
+                <a16:creationId xmlns:a16="http://schemas.microsoft.com/office/drawing/2014/main" id="{551F4979-A1D2-4815-B229-36A740063E5C}"/>
+              </a:ext>
+            </a:extLst>
+          </p:cNvPr>
+          <p:cNvCxnSpPr>
+            <a:cxnSpLocks/>
+          </p:cNvCxnSpPr>
+          <p:nvPr/>
+        </p:nvCxnSpPr>
+        <p:spPr>
+          <a:xfrm flipH="1">
+            <a:off x="10359342" y="4247853"/>
+            <a:ext cx="189053" cy="810284"/>
+          </a:xfrm>
+          <a:prstGeom prst="straightConnector1">
+            <a:avLst/>
+          </a:prstGeom>
+          <a:ln w="57150">
+            <a:tailEnd type="triangle"/>
+          </a:ln>
+        </p:spPr>
+        <p:style>
+          <a:lnRef idx="1">
+            <a:schemeClr val="accent1"/>
+          </a:lnRef>
+          <a:fillRef idx="0">
+            <a:schemeClr val="accent1"/>
+          </a:fillRef>
+          <a:effectRef idx="0">
+            <a:schemeClr val="accent1"/>
+          </a:effectRef>
+          <a:fontRef idx="minor">
+            <a:schemeClr val="tx1"/>
+          </a:fontRef>
+        </p:style>
+      </p:cxnSp>
+      <p:sp>
+        <p:nvSpPr>
+          <p:cNvPr id="14" name="TextBox 13">
+            <a:extLst>
+              <a:ext uri="{FF2B5EF4-FFF2-40B4-BE49-F238E27FC236}">
+                <a16:creationId xmlns:a16="http://schemas.microsoft.com/office/drawing/2014/main" id="{CE26B26D-54A2-4280-A3E3-0F702CF4CCD3}"/>
+              </a:ext>
+            </a:extLst>
+          </p:cNvPr>
+          <p:cNvSpPr txBox="1"/>
+          <p:nvPr/>
+        </p:nvSpPr>
+        <p:spPr>
+          <a:xfrm>
+            <a:off x="7258463" y="1682736"/>
+            <a:ext cx="4460708" cy="369332"/>
+          </a:xfrm>
+          <a:prstGeom prst="rect">
+            <a:avLst/>
+          </a:prstGeom>
+          <a:noFill/>
+        </p:spPr>
+        <p:txBody>
+          <a:bodyPr wrap="none" rtlCol="0">
+            <a:spAutoFit/>
+          </a:bodyPr>
           <a:lstStyle/>
           <a:p>
             <a:r>
-              <a:rPr lang="en-US" dirty="0"/>
-              <a:t>First, what might be mechanisms?</a:t>
+              <a:rPr lang="en-US" b="1" i="1" dirty="0"/>
+              <a:t>Large gaps, NOT over-come with fertilization</a:t>
             </a:r>
           </a:p>
         </p:txBody>
@@ -3460,7 +3840,7 @@
     </p:spTree>
     <p:extLst>
       <p:ext uri="{BB962C8B-B14F-4D97-AF65-F5344CB8AC3E}">
-        <p14:creationId xmlns:p14="http://schemas.microsoft.com/office/powerpoint/2010/main" val="2154734019"/>
+        <p14:creationId xmlns:p14="http://schemas.microsoft.com/office/powerpoint/2010/main" val="1525101799"/>
       </p:ext>
     </p:extLst>
   </p:cSld>
@@ -3471,6 +3851,595 @@
 </file>
 
 <file path=ppt/slides/slide11.xml><?xml version="1.0" encoding="utf-8"?>
+<p:sld xmlns:a="http://schemas.openxmlformats.org/drawingml/2006/main" xmlns:r="http://schemas.openxmlformats.org/officeDocument/2006/relationships" xmlns:p="http://schemas.openxmlformats.org/presentationml/2006/main">
+  <p:cSld>
+    <p:spTree>
+      <p:nvGrpSpPr>
+        <p:cNvPr id="1" name=""/>
+        <p:cNvGrpSpPr/>
+        <p:nvPr/>
+      </p:nvGrpSpPr>
+      <p:grpSpPr>
+        <a:xfrm>
+          <a:off x="0" y="0"/>
+          <a:ext cx="0" cy="0"/>
+          <a:chOff x="0" y="0"/>
+          <a:chExt cx="0" cy="0"/>
+        </a:xfrm>
+      </p:grpSpPr>
+      <p:pic>
+        <p:nvPicPr>
+          <p:cNvPr id="3" name="Picture 2">
+            <a:extLst>
+              <a:ext uri="{FF2B5EF4-FFF2-40B4-BE49-F238E27FC236}">
+                <a16:creationId xmlns:a16="http://schemas.microsoft.com/office/drawing/2014/main" id="{7B0AF309-9577-4369-8067-BFF49A6914C3}"/>
+              </a:ext>
+            </a:extLst>
+          </p:cNvPr>
+          <p:cNvPicPr>
+            <a:picLocks noChangeAspect="1"/>
+          </p:cNvPicPr>
+          <p:nvPr/>
+        </p:nvPicPr>
+        <p:blipFill>
+          <a:blip r:embed="rId2"/>
+          <a:stretch>
+            <a:fillRect/>
+          </a:stretch>
+        </p:blipFill>
+        <p:spPr>
+          <a:xfrm>
+            <a:off x="1359679" y="688301"/>
+            <a:ext cx="9472641" cy="6013844"/>
+          </a:xfrm>
+          <a:prstGeom prst="rect">
+            <a:avLst/>
+          </a:prstGeom>
+        </p:spPr>
+      </p:pic>
+      <p:cxnSp>
+        <p:nvCxnSpPr>
+          <p:cNvPr id="5" name="Straight Connector 4">
+            <a:extLst>
+              <a:ext uri="{FF2B5EF4-FFF2-40B4-BE49-F238E27FC236}">
+                <a16:creationId xmlns:a16="http://schemas.microsoft.com/office/drawing/2014/main" id="{DB56AC11-1757-4D21-825D-86FA40F871F5}"/>
+              </a:ext>
+            </a:extLst>
+          </p:cNvPr>
+          <p:cNvCxnSpPr>
+            <a:cxnSpLocks/>
+          </p:cNvCxnSpPr>
+          <p:nvPr/>
+        </p:nvCxnSpPr>
+        <p:spPr>
+          <a:xfrm flipH="1">
+            <a:off x="4224759" y="486142"/>
+            <a:ext cx="81023" cy="6111433"/>
+          </a:xfrm>
+          <a:prstGeom prst="line">
+            <a:avLst/>
+          </a:prstGeom>
+        </p:spPr>
+        <p:style>
+          <a:lnRef idx="1">
+            <a:schemeClr val="accent1"/>
+          </a:lnRef>
+          <a:fillRef idx="0">
+            <a:schemeClr val="accent1"/>
+          </a:fillRef>
+          <a:effectRef idx="0">
+            <a:schemeClr val="accent1"/>
+          </a:effectRef>
+          <a:fontRef idx="minor">
+            <a:schemeClr val="tx1"/>
+          </a:fontRef>
+        </p:style>
+      </p:cxnSp>
+      <p:cxnSp>
+        <p:nvCxnSpPr>
+          <p:cNvPr id="7" name="Straight Connector 6">
+            <a:extLst>
+              <a:ext uri="{FF2B5EF4-FFF2-40B4-BE49-F238E27FC236}">
+                <a16:creationId xmlns:a16="http://schemas.microsoft.com/office/drawing/2014/main" id="{EC2CE208-ECCA-418E-9A85-598EAF48E490}"/>
+              </a:ext>
+            </a:extLst>
+          </p:cNvPr>
+          <p:cNvCxnSpPr>
+            <a:cxnSpLocks/>
+          </p:cNvCxnSpPr>
+          <p:nvPr/>
+        </p:nvCxnSpPr>
+        <p:spPr>
+          <a:xfrm>
+            <a:off x="995423" y="3541858"/>
+            <a:ext cx="10394066" cy="0"/>
+          </a:xfrm>
+          <a:prstGeom prst="line">
+            <a:avLst/>
+          </a:prstGeom>
+        </p:spPr>
+        <p:style>
+          <a:lnRef idx="1">
+            <a:schemeClr val="accent1"/>
+          </a:lnRef>
+          <a:fillRef idx="0">
+            <a:schemeClr val="accent1"/>
+          </a:fillRef>
+          <a:effectRef idx="0">
+            <a:schemeClr val="accent1"/>
+          </a:effectRef>
+          <a:fontRef idx="minor">
+            <a:schemeClr val="tx1"/>
+          </a:fontRef>
+        </p:style>
+      </p:cxnSp>
+      <p:sp>
+        <p:nvSpPr>
+          <p:cNvPr id="11" name="TextBox 10">
+            <a:extLst>
+              <a:ext uri="{FF2B5EF4-FFF2-40B4-BE49-F238E27FC236}">
+                <a16:creationId xmlns:a16="http://schemas.microsoft.com/office/drawing/2014/main" id="{BDFE842E-7E4D-447D-9C4B-E2F5C5427060}"/>
+              </a:ext>
+            </a:extLst>
+          </p:cNvPr>
+          <p:cNvSpPr txBox="1"/>
+          <p:nvPr/>
+        </p:nvSpPr>
+        <p:spPr>
+          <a:xfrm>
+            <a:off x="2480131" y="4415946"/>
+            <a:ext cx="652743" cy="646331"/>
+          </a:xfrm>
+          <a:prstGeom prst="rect">
+            <a:avLst/>
+          </a:prstGeom>
+          <a:noFill/>
+        </p:spPr>
+        <p:txBody>
+          <a:bodyPr wrap="none" rtlCol="0">
+            <a:spAutoFit/>
+          </a:bodyPr>
+          <a:lstStyle/>
+          <a:p>
+            <a:r>
+              <a:rPr lang="en-US" sz="3600" b="1" dirty="0"/>
+              <a:t>38</a:t>
+            </a:r>
+          </a:p>
+        </p:txBody>
+      </p:sp>
+      <p:sp>
+        <p:nvSpPr>
+          <p:cNvPr id="12" name="TextBox 11">
+            <a:extLst>
+              <a:ext uri="{FF2B5EF4-FFF2-40B4-BE49-F238E27FC236}">
+                <a16:creationId xmlns:a16="http://schemas.microsoft.com/office/drawing/2014/main" id="{B9474D77-1C59-4E5E-8E5B-AC54A3CCDEA3}"/>
+              </a:ext>
+            </a:extLst>
+          </p:cNvPr>
+          <p:cNvSpPr txBox="1"/>
+          <p:nvPr/>
+        </p:nvSpPr>
+        <p:spPr>
+          <a:xfrm>
+            <a:off x="7886220" y="4415945"/>
+            <a:ext cx="652743" cy="646331"/>
+          </a:xfrm>
+          <a:prstGeom prst="rect">
+            <a:avLst/>
+          </a:prstGeom>
+          <a:noFill/>
+        </p:spPr>
+        <p:txBody>
+          <a:bodyPr wrap="none" rtlCol="0">
+            <a:spAutoFit/>
+          </a:bodyPr>
+          <a:lstStyle/>
+          <a:p>
+            <a:r>
+              <a:rPr lang="en-US" sz="3600" b="1" dirty="0"/>
+              <a:t>43</a:t>
+            </a:r>
+          </a:p>
+        </p:txBody>
+      </p:sp>
+      <p:sp>
+        <p:nvSpPr>
+          <p:cNvPr id="13" name="TextBox 12">
+            <a:extLst>
+              <a:ext uri="{FF2B5EF4-FFF2-40B4-BE49-F238E27FC236}">
+                <a16:creationId xmlns:a16="http://schemas.microsoft.com/office/drawing/2014/main" id="{7B311F9D-BABF-4544-BA8E-EE7D558858C8}"/>
+              </a:ext>
+            </a:extLst>
+          </p:cNvPr>
+          <p:cNvSpPr txBox="1"/>
+          <p:nvPr/>
+        </p:nvSpPr>
+        <p:spPr>
+          <a:xfrm>
+            <a:off x="2806502" y="1859311"/>
+            <a:ext cx="652743" cy="646331"/>
+          </a:xfrm>
+          <a:prstGeom prst="rect">
+            <a:avLst/>
+          </a:prstGeom>
+          <a:noFill/>
+        </p:spPr>
+        <p:txBody>
+          <a:bodyPr wrap="none" rtlCol="0">
+            <a:spAutoFit/>
+          </a:bodyPr>
+          <a:lstStyle/>
+          <a:p>
+            <a:r>
+              <a:rPr lang="en-US" sz="3600" b="1" dirty="0"/>
+              <a:t>26</a:t>
+            </a:r>
+          </a:p>
+        </p:txBody>
+      </p:sp>
+      <p:sp>
+        <p:nvSpPr>
+          <p:cNvPr id="14" name="TextBox 13">
+            <a:extLst>
+              <a:ext uri="{FF2B5EF4-FFF2-40B4-BE49-F238E27FC236}">
+                <a16:creationId xmlns:a16="http://schemas.microsoft.com/office/drawing/2014/main" id="{5209C65E-29AA-4894-A886-E6E928BB4766}"/>
+              </a:ext>
+            </a:extLst>
+          </p:cNvPr>
+          <p:cNvSpPr txBox="1"/>
+          <p:nvPr/>
+        </p:nvSpPr>
+        <p:spPr>
+          <a:xfrm>
+            <a:off x="8212591" y="2146908"/>
+            <a:ext cx="652743" cy="646331"/>
+          </a:xfrm>
+          <a:prstGeom prst="rect">
+            <a:avLst/>
+          </a:prstGeom>
+          <a:noFill/>
+        </p:spPr>
+        <p:txBody>
+          <a:bodyPr wrap="none" rtlCol="0">
+            <a:spAutoFit/>
+          </a:bodyPr>
+          <a:lstStyle/>
+          <a:p>
+            <a:r>
+              <a:rPr lang="en-US" sz="3600" b="1" dirty="0"/>
+              <a:t>14</a:t>
+            </a:r>
+          </a:p>
+        </p:txBody>
+      </p:sp>
+      <p:sp>
+        <p:nvSpPr>
+          <p:cNvPr id="17" name="TextBox 16">
+            <a:extLst>
+              <a:ext uri="{FF2B5EF4-FFF2-40B4-BE49-F238E27FC236}">
+                <a16:creationId xmlns:a16="http://schemas.microsoft.com/office/drawing/2014/main" id="{B02AB03D-5EE5-4E39-A4A8-DDB42A266A99}"/>
+              </a:ext>
+            </a:extLst>
+          </p:cNvPr>
+          <p:cNvSpPr txBox="1"/>
+          <p:nvPr/>
+        </p:nvSpPr>
+        <p:spPr>
+          <a:xfrm>
+            <a:off x="190177" y="225706"/>
+            <a:ext cx="6494855" cy="369332"/>
+          </a:xfrm>
+          <a:prstGeom prst="rect">
+            <a:avLst/>
+          </a:prstGeom>
+          <a:noFill/>
+        </p:spPr>
+        <p:txBody>
+          <a:bodyPr wrap="none" rtlCol="0">
+            <a:spAutoFit/>
+          </a:bodyPr>
+          <a:lstStyle/>
+          <a:p>
+            <a:r>
+              <a:rPr lang="en-US" dirty="0"/>
+              <a:t>N overcomes 50% of gap roughly half of the time at lower penalties</a:t>
+            </a:r>
+          </a:p>
+        </p:txBody>
+      </p:sp>
+      <p:sp>
+        <p:nvSpPr>
+          <p:cNvPr id="18" name="TextBox 17">
+            <a:extLst>
+              <a:ext uri="{FF2B5EF4-FFF2-40B4-BE49-F238E27FC236}">
+                <a16:creationId xmlns:a16="http://schemas.microsoft.com/office/drawing/2014/main" id="{CC148CE3-C7BC-48FD-963C-0576CA73CC8F}"/>
+              </a:ext>
+            </a:extLst>
+          </p:cNvPr>
+          <p:cNvSpPr txBox="1"/>
+          <p:nvPr/>
+        </p:nvSpPr>
+        <p:spPr>
+          <a:xfrm>
+            <a:off x="7170862" y="133437"/>
+            <a:ext cx="4623741" cy="646317"/>
+          </a:xfrm>
+          <a:prstGeom prst="rect">
+            <a:avLst/>
+          </a:prstGeom>
+          <a:noFill/>
+        </p:spPr>
+        <p:txBody>
+          <a:bodyPr wrap="square" rtlCol="0">
+            <a:spAutoFit/>
+          </a:bodyPr>
+          <a:lstStyle/>
+          <a:p>
+            <a:r>
+              <a:rPr lang="en-US" dirty="0"/>
+              <a:t>N overcomes 50% of gap a quarter of the time at higher penalties</a:t>
+            </a:r>
+          </a:p>
+        </p:txBody>
+      </p:sp>
+    </p:spTree>
+    <p:extLst>
+      <p:ext uri="{BB962C8B-B14F-4D97-AF65-F5344CB8AC3E}">
+        <p14:creationId xmlns:p14="http://schemas.microsoft.com/office/powerpoint/2010/main" val="1642199939"/>
+      </p:ext>
+    </p:extLst>
+  </p:cSld>
+  <p:clrMapOvr>
+    <a:masterClrMapping/>
+  </p:clrMapOvr>
+</p:sld>
+</file>
+
+<file path=ppt/slides/slide12.xml><?xml version="1.0" encoding="utf-8"?>
+<p:sld xmlns:a="http://schemas.openxmlformats.org/drawingml/2006/main" xmlns:r="http://schemas.openxmlformats.org/officeDocument/2006/relationships" xmlns:p="http://schemas.openxmlformats.org/presentationml/2006/main">
+  <p:cSld>
+    <p:spTree>
+      <p:nvGrpSpPr>
+        <p:cNvPr id="1" name=""/>
+        <p:cNvGrpSpPr/>
+        <p:nvPr/>
+      </p:nvGrpSpPr>
+      <p:grpSpPr>
+        <a:xfrm>
+          <a:off x="0" y="0"/>
+          <a:ext cx="0" cy="0"/>
+          <a:chOff x="0" y="0"/>
+          <a:chExt cx="0" cy="0"/>
+        </a:xfrm>
+      </p:grpSpPr>
+      <p:sp>
+        <p:nvSpPr>
+          <p:cNvPr id="2" name="Title 1">
+            <a:extLst>
+              <a:ext uri="{FF2B5EF4-FFF2-40B4-BE49-F238E27FC236}">
+                <a16:creationId xmlns:a16="http://schemas.microsoft.com/office/drawing/2014/main" id="{7B76BE56-1B52-4D04-9BDB-38A4E50C0965}"/>
+              </a:ext>
+            </a:extLst>
+          </p:cNvPr>
+          <p:cNvSpPr>
+            <a:spLocks noGrp="1"/>
+          </p:cNvSpPr>
+          <p:nvPr>
+            <p:ph type="title"/>
+          </p:nvPr>
+        </p:nvSpPr>
+        <p:spPr/>
+        <p:txBody>
+          <a:bodyPr/>
+          <a:lstStyle/>
+          <a:p>
+            <a:r>
+              <a:rPr lang="en-US" dirty="0"/>
+              <a:t>Can weather explain N-pct? Or gap?</a:t>
+            </a:r>
+          </a:p>
+        </p:txBody>
+      </p:sp>
+      <p:pic>
+        <p:nvPicPr>
+          <p:cNvPr id="4" name="Picture 3">
+            <a:extLst>
+              <a:ext uri="{FF2B5EF4-FFF2-40B4-BE49-F238E27FC236}">
+                <a16:creationId xmlns:a16="http://schemas.microsoft.com/office/drawing/2014/main" id="{D4498807-4443-4A0D-BCEF-0905054FD9E7}"/>
+              </a:ext>
+            </a:extLst>
+          </p:cNvPr>
+          <p:cNvPicPr>
+            <a:picLocks noChangeAspect="1"/>
+          </p:cNvPicPr>
+          <p:nvPr/>
+        </p:nvPicPr>
+        <p:blipFill>
+          <a:blip r:embed="rId2"/>
+          <a:stretch>
+            <a:fillRect/>
+          </a:stretch>
+        </p:blipFill>
+        <p:spPr>
+          <a:xfrm>
+            <a:off x="667722" y="1464217"/>
+            <a:ext cx="10370421" cy="4982366"/>
+          </a:xfrm>
+          <a:prstGeom prst="rect">
+            <a:avLst/>
+          </a:prstGeom>
+        </p:spPr>
+      </p:pic>
+    </p:spTree>
+    <p:extLst>
+      <p:ext uri="{BB962C8B-B14F-4D97-AF65-F5344CB8AC3E}">
+        <p14:creationId xmlns:p14="http://schemas.microsoft.com/office/powerpoint/2010/main" val="4059262071"/>
+      </p:ext>
+    </p:extLst>
+  </p:cSld>
+  <p:clrMapOvr>
+    <a:masterClrMapping/>
+  </p:clrMapOvr>
+</p:sld>
+</file>
+
+<file path=ppt/slides/slide13.xml><?xml version="1.0" encoding="utf-8"?>
+<p:sld xmlns:a="http://schemas.openxmlformats.org/drawingml/2006/main" xmlns:r="http://schemas.openxmlformats.org/officeDocument/2006/relationships" xmlns:p="http://schemas.openxmlformats.org/presentationml/2006/main">
+  <p:cSld>
+    <p:spTree>
+      <p:nvGrpSpPr>
+        <p:cNvPr id="1" name=""/>
+        <p:cNvGrpSpPr/>
+        <p:nvPr/>
+      </p:nvGrpSpPr>
+      <p:grpSpPr>
+        <a:xfrm>
+          <a:off x="0" y="0"/>
+          <a:ext cx="0" cy="0"/>
+          <a:chOff x="0" y="0"/>
+          <a:chExt cx="0" cy="0"/>
+        </a:xfrm>
+      </p:grpSpPr>
+      <p:pic>
+        <p:nvPicPr>
+          <p:cNvPr id="5" name="Picture 4">
+            <a:extLst>
+              <a:ext uri="{FF2B5EF4-FFF2-40B4-BE49-F238E27FC236}">
+                <a16:creationId xmlns:a16="http://schemas.microsoft.com/office/drawing/2014/main" id="{E562C4D8-6075-430E-9104-4097897E4747}"/>
+              </a:ext>
+            </a:extLst>
+          </p:cNvPr>
+          <p:cNvPicPr>
+            <a:picLocks noChangeAspect="1"/>
+          </p:cNvPicPr>
+          <p:nvPr/>
+        </p:nvPicPr>
+        <p:blipFill>
+          <a:blip r:embed="rId2"/>
+          <a:stretch>
+            <a:fillRect/>
+          </a:stretch>
+        </p:blipFill>
+        <p:spPr>
+          <a:xfrm>
+            <a:off x="7252055" y="3356679"/>
+            <a:ext cx="4939945" cy="3136196"/>
+          </a:xfrm>
+          <a:prstGeom prst="rect">
+            <a:avLst/>
+          </a:prstGeom>
+        </p:spPr>
+      </p:pic>
+      <p:sp>
+        <p:nvSpPr>
+          <p:cNvPr id="2" name="Title 1">
+            <a:extLst>
+              <a:ext uri="{FF2B5EF4-FFF2-40B4-BE49-F238E27FC236}">
+                <a16:creationId xmlns:a16="http://schemas.microsoft.com/office/drawing/2014/main" id="{9BCB569A-08C0-48D4-BC5F-E7E23F0D9150}"/>
+              </a:ext>
+            </a:extLst>
+          </p:cNvPr>
+          <p:cNvSpPr>
+            <a:spLocks noGrp="1"/>
+          </p:cNvSpPr>
+          <p:nvPr>
+            <p:ph type="title"/>
+          </p:nvPr>
+        </p:nvSpPr>
+        <p:spPr/>
+        <p:txBody>
+          <a:bodyPr/>
+          <a:lstStyle/>
+          <a:p>
+            <a:endParaRPr lang="en-US" dirty="0"/>
+          </a:p>
+        </p:txBody>
+      </p:sp>
+      <p:sp>
+        <p:nvSpPr>
+          <p:cNvPr id="3" name="Content Placeholder 2">
+            <a:extLst>
+              <a:ext uri="{FF2B5EF4-FFF2-40B4-BE49-F238E27FC236}">
+                <a16:creationId xmlns:a16="http://schemas.microsoft.com/office/drawing/2014/main" id="{22485307-26B8-427D-A12C-3474B9AAB558}"/>
+              </a:ext>
+            </a:extLst>
+          </p:cNvPr>
+          <p:cNvSpPr>
+            <a:spLocks noGrp="1"/>
+          </p:cNvSpPr>
+          <p:nvPr>
+            <p:ph idx="1"/>
+          </p:nvPr>
+        </p:nvSpPr>
+        <p:spPr/>
+        <p:txBody>
+          <a:bodyPr/>
+          <a:lstStyle/>
+          <a:p>
+            <a:r>
+              <a:rPr lang="en-US" dirty="0"/>
+              <a:t>I get different answers, depending on what I include for weather</a:t>
+            </a:r>
+          </a:p>
+          <a:p>
+            <a:r>
+              <a:rPr lang="en-US" dirty="0"/>
+              <a:t>Want variables that are not correlated </a:t>
+            </a:r>
+          </a:p>
+          <a:p>
+            <a:pPr lvl="1"/>
+            <a:r>
+              <a:rPr lang="en-US" dirty="0"/>
+              <a:t>ex </a:t>
+            </a:r>
+            <a:r>
+              <a:rPr lang="en-US" dirty="0" err="1"/>
+              <a:t>precip</a:t>
+            </a:r>
+            <a:r>
+              <a:rPr lang="en-US" dirty="0"/>
+              <a:t> at planting and GDDs 2 weeks after planting are correlated</a:t>
+            </a:r>
+          </a:p>
+          <a:p>
+            <a:r>
+              <a:rPr lang="en-US" dirty="0"/>
+              <a:t>Want meaningful things</a:t>
+            </a:r>
+          </a:p>
+          <a:p>
+            <a:pPr lvl="1"/>
+            <a:r>
+              <a:rPr lang="en-US" dirty="0"/>
+              <a:t>Ex July </a:t>
+            </a:r>
+            <a:r>
+              <a:rPr lang="en-US" dirty="0" err="1"/>
+              <a:t>precip</a:t>
+            </a:r>
+            <a:r>
+              <a:rPr lang="en-US" dirty="0"/>
+              <a:t>, might mean something different in IL?</a:t>
+            </a:r>
+          </a:p>
+        </p:txBody>
+      </p:sp>
+    </p:spTree>
+    <p:extLst>
+      <p:ext uri="{BB962C8B-B14F-4D97-AF65-F5344CB8AC3E}">
+        <p14:creationId xmlns:p14="http://schemas.microsoft.com/office/powerpoint/2010/main" val="1396585832"/>
+      </p:ext>
+    </p:extLst>
+  </p:cSld>
+  <p:clrMapOvr>
+    <a:masterClrMapping/>
+  </p:clrMapOvr>
+</p:sld>
+</file>
+
+<file path=ppt/slides/slide14.xml><?xml version="1.0" encoding="utf-8"?>
 <p:sld xmlns:a="http://schemas.openxmlformats.org/drawingml/2006/main" xmlns:r="http://schemas.openxmlformats.org/officeDocument/2006/relationships" xmlns:p="http://schemas.openxmlformats.org/presentationml/2006/main">
   <p:cSld>
     <p:spTree>
@@ -5831,153 +6800,7 @@
 </p:sld>
 </file>
 
-<file path=ppt/slides/slide12.xml><?xml version="1.0" encoding="utf-8"?>
-<p:sld xmlns:a="http://schemas.openxmlformats.org/drawingml/2006/main" xmlns:r="http://schemas.openxmlformats.org/officeDocument/2006/relationships" xmlns:p="http://schemas.openxmlformats.org/presentationml/2006/main">
-  <p:cSld>
-    <p:spTree>
-      <p:nvGrpSpPr>
-        <p:cNvPr id="1" name=""/>
-        <p:cNvGrpSpPr/>
-        <p:nvPr/>
-      </p:nvGrpSpPr>
-      <p:grpSpPr>
-        <a:xfrm>
-          <a:off x="0" y="0"/>
-          <a:ext cx="0" cy="0"/>
-          <a:chOff x="0" y="0"/>
-          <a:chExt cx="0" cy="0"/>
-        </a:xfrm>
-      </p:grpSpPr>
-      <p:sp>
-        <p:nvSpPr>
-          <p:cNvPr id="2" name="Title 1">
-            <a:extLst>
-              <a:ext uri="{FF2B5EF4-FFF2-40B4-BE49-F238E27FC236}">
-                <a16:creationId xmlns:a16="http://schemas.microsoft.com/office/drawing/2014/main" id="{7B76BE56-1B52-4D04-9BDB-38A4E50C0965}"/>
-              </a:ext>
-            </a:extLst>
-          </p:cNvPr>
-          <p:cNvSpPr>
-            <a:spLocks noGrp="1"/>
-          </p:cNvSpPr>
-          <p:nvPr>
-            <p:ph type="title"/>
-          </p:nvPr>
-        </p:nvSpPr>
-        <p:spPr/>
-        <p:txBody>
-          <a:bodyPr/>
-          <a:lstStyle/>
-          <a:p>
-            <a:r>
-              <a:rPr lang="en-US" dirty="0"/>
-              <a:t>Can weather explain N-pct? Or gap?</a:t>
-            </a:r>
-          </a:p>
-        </p:txBody>
-      </p:sp>
-      <p:pic>
-        <p:nvPicPr>
-          <p:cNvPr id="4" name="Picture 3">
-            <a:extLst>
-              <a:ext uri="{FF2B5EF4-FFF2-40B4-BE49-F238E27FC236}">
-                <a16:creationId xmlns:a16="http://schemas.microsoft.com/office/drawing/2014/main" id="{D4498807-4443-4A0D-BCEF-0905054FD9E7}"/>
-              </a:ext>
-            </a:extLst>
-          </p:cNvPr>
-          <p:cNvPicPr>
-            <a:picLocks noChangeAspect="1"/>
-          </p:cNvPicPr>
-          <p:nvPr/>
-        </p:nvPicPr>
-        <p:blipFill>
-          <a:blip r:embed="rId2"/>
-          <a:stretch>
-            <a:fillRect/>
-          </a:stretch>
-        </p:blipFill>
-        <p:spPr>
-          <a:xfrm>
-            <a:off x="667722" y="1464217"/>
-            <a:ext cx="10370421" cy="4982366"/>
-          </a:xfrm>
-          <a:prstGeom prst="rect">
-            <a:avLst/>
-          </a:prstGeom>
-        </p:spPr>
-      </p:pic>
-    </p:spTree>
-    <p:extLst>
-      <p:ext uri="{BB962C8B-B14F-4D97-AF65-F5344CB8AC3E}">
-        <p14:creationId xmlns:p14="http://schemas.microsoft.com/office/powerpoint/2010/main" val="4059262071"/>
-      </p:ext>
-    </p:extLst>
-  </p:cSld>
-  <p:clrMapOvr>
-    <a:masterClrMapping/>
-  </p:clrMapOvr>
-</p:sld>
-</file>
-
-<file path=ppt/slides/slide13.xml><?xml version="1.0" encoding="utf-8"?>
-<p:sld xmlns:a="http://schemas.openxmlformats.org/drawingml/2006/main" xmlns:r="http://schemas.openxmlformats.org/officeDocument/2006/relationships" xmlns:p="http://schemas.openxmlformats.org/presentationml/2006/main">
-  <p:cSld>
-    <p:spTree>
-      <p:nvGrpSpPr>
-        <p:cNvPr id="1" name=""/>
-        <p:cNvGrpSpPr/>
-        <p:nvPr/>
-      </p:nvGrpSpPr>
-      <p:grpSpPr>
-        <a:xfrm>
-          <a:off x="0" y="0"/>
-          <a:ext cx="0" cy="0"/>
-          <a:chOff x="0" y="0"/>
-          <a:chExt cx="0" cy="0"/>
-        </a:xfrm>
-      </p:grpSpPr>
-      <p:sp>
-        <p:nvSpPr>
-          <p:cNvPr id="2" name="Title 1">
-            <a:extLst>
-              <a:ext uri="{FF2B5EF4-FFF2-40B4-BE49-F238E27FC236}">
-                <a16:creationId xmlns:a16="http://schemas.microsoft.com/office/drawing/2014/main" id="{9BCB569A-08C0-48D4-BC5F-E7E23F0D9150}"/>
-              </a:ext>
-            </a:extLst>
-          </p:cNvPr>
-          <p:cNvSpPr>
-            <a:spLocks noGrp="1"/>
-          </p:cNvSpPr>
-          <p:nvPr>
-            <p:ph type="title"/>
-          </p:nvPr>
-        </p:nvSpPr>
-        <p:spPr/>
-        <p:txBody>
-          <a:bodyPr/>
-          <a:lstStyle/>
-          <a:p>
-            <a:r>
-              <a:rPr lang="en-US" dirty="0"/>
-              <a:t>I get different answers, depending on what I include</a:t>
-            </a:r>
-          </a:p>
-        </p:txBody>
-      </p:sp>
-    </p:spTree>
-    <p:extLst>
-      <p:ext uri="{BB962C8B-B14F-4D97-AF65-F5344CB8AC3E}">
-        <p14:creationId xmlns:p14="http://schemas.microsoft.com/office/powerpoint/2010/main" val="1396585832"/>
-      </p:ext>
-    </p:extLst>
-  </p:cSld>
-  <p:clrMapOvr>
-    <a:masterClrMapping/>
-  </p:clrMapOvr>
-</p:sld>
-</file>
-
-<file path=ppt/slides/slide14.xml><?xml version="1.0" encoding="utf-8"?>
+<file path=ppt/slides/slide15.xml><?xml version="1.0" encoding="utf-8"?>
 <p:sld xmlns:a="http://schemas.openxmlformats.org/drawingml/2006/main" xmlns:r="http://schemas.openxmlformats.org/officeDocument/2006/relationships" xmlns:p="http://schemas.openxmlformats.org/presentationml/2006/main">
   <p:cSld>
     <p:spTree>
@@ -6230,7 +7053,7 @@
 </p:sld>
 </file>
 
-<file path=ppt/slides/slide15.xml><?xml version="1.0" encoding="utf-8"?>
+<file path=ppt/slides/slide16.xml><?xml version="1.0" encoding="utf-8"?>
 <p:sld xmlns:a="http://schemas.openxmlformats.org/drawingml/2006/main" xmlns:r="http://schemas.openxmlformats.org/officeDocument/2006/relationships" xmlns:p="http://schemas.openxmlformats.org/presentationml/2006/main">
   <p:cSld>
     <p:spTree>
@@ -7327,6 +8150,223 @@
           <p:cNvPr id="5" name="Picture 4">
             <a:extLst>
               <a:ext uri="{FF2B5EF4-FFF2-40B4-BE49-F238E27FC236}">
+                <a16:creationId xmlns:a16="http://schemas.microsoft.com/office/drawing/2014/main" id="{3F6B5AD9-C7B6-4137-BBF2-2F542941C9D4}"/>
+              </a:ext>
+            </a:extLst>
+          </p:cNvPr>
+          <p:cNvPicPr>
+            <a:picLocks noChangeAspect="1"/>
+          </p:cNvPicPr>
+          <p:nvPr/>
+        </p:nvPicPr>
+        <p:blipFill>
+          <a:blip r:embed="rId2"/>
+          <a:stretch>
+            <a:fillRect/>
+          </a:stretch>
+        </p:blipFill>
+        <p:spPr>
+          <a:xfrm>
+            <a:off x="1359679" y="422078"/>
+            <a:ext cx="9472641" cy="6013844"/>
+          </a:xfrm>
+          <a:prstGeom prst="rect">
+            <a:avLst/>
+          </a:prstGeom>
+        </p:spPr>
+      </p:pic>
+    </p:spTree>
+    <p:extLst>
+      <p:ext uri="{BB962C8B-B14F-4D97-AF65-F5344CB8AC3E}">
+        <p14:creationId xmlns:p14="http://schemas.microsoft.com/office/powerpoint/2010/main" val="2518726537"/>
+      </p:ext>
+    </p:extLst>
+  </p:cSld>
+  <p:clrMapOvr>
+    <a:masterClrMapping/>
+  </p:clrMapOvr>
+</p:sld>
+</file>
+
+<file path=ppt/slides/slide5.xml><?xml version="1.0" encoding="utf-8"?>
+<p:sld xmlns:a="http://schemas.openxmlformats.org/drawingml/2006/main" xmlns:r="http://schemas.openxmlformats.org/officeDocument/2006/relationships" xmlns:p="http://schemas.openxmlformats.org/presentationml/2006/main">
+  <p:cSld>
+    <p:spTree>
+      <p:nvGrpSpPr>
+        <p:cNvPr id="1" name=""/>
+        <p:cNvGrpSpPr/>
+        <p:nvPr/>
+      </p:nvGrpSpPr>
+      <p:grpSpPr>
+        <a:xfrm>
+          <a:off x="0" y="0"/>
+          <a:ext cx="0" cy="0"/>
+          <a:chOff x="0" y="0"/>
+          <a:chExt cx="0" cy="0"/>
+        </a:xfrm>
+      </p:grpSpPr>
+      <p:sp>
+        <p:nvSpPr>
+          <p:cNvPr id="2" name="Title 1">
+            <a:extLst>
+              <a:ext uri="{FF2B5EF4-FFF2-40B4-BE49-F238E27FC236}">
+                <a16:creationId xmlns:a16="http://schemas.microsoft.com/office/drawing/2014/main" id="{A1B05E9C-99D7-4D91-9FBE-61010F8B3125}"/>
+              </a:ext>
+            </a:extLst>
+          </p:cNvPr>
+          <p:cNvSpPr>
+            <a:spLocks noGrp="1"/>
+          </p:cNvSpPr>
+          <p:nvPr>
+            <p:ph type="title"/>
+          </p:nvPr>
+        </p:nvSpPr>
+        <p:spPr/>
+        <p:txBody>
+          <a:bodyPr/>
+          <a:lstStyle/>
+          <a:p>
+            <a:endParaRPr lang="en-US" dirty="0"/>
+          </a:p>
+        </p:txBody>
+      </p:sp>
+      <p:sp>
+        <p:nvSpPr>
+          <p:cNvPr id="3" name="Content Placeholder 2">
+            <a:extLst>
+              <a:ext uri="{FF2B5EF4-FFF2-40B4-BE49-F238E27FC236}">
+                <a16:creationId xmlns:a16="http://schemas.microsoft.com/office/drawing/2014/main" id="{0C11D66B-2C3A-4A6A-A386-42A1825DFE8A}"/>
+              </a:ext>
+            </a:extLst>
+          </p:cNvPr>
+          <p:cNvSpPr>
+            <a:spLocks noGrp="1"/>
+          </p:cNvSpPr>
+          <p:nvPr>
+            <p:ph idx="1"/>
+          </p:nvPr>
+        </p:nvSpPr>
+        <p:spPr/>
+        <p:txBody>
+          <a:bodyPr/>
+          <a:lstStyle/>
+          <a:p>
+            <a:r>
+              <a:rPr lang="en-US" dirty="0"/>
+              <a:t>37% of the variability is between sites</a:t>
+            </a:r>
+          </a:p>
+          <a:p>
+            <a:r>
+              <a:rPr lang="en-US" dirty="0"/>
+              <a:t>The rest (63%) is within site (</a:t>
+            </a:r>
+            <a:r>
+              <a:rPr lang="en-US" dirty="0" err="1"/>
+              <a:t>ie</a:t>
+            </a:r>
+            <a:r>
+              <a:rPr lang="en-US" dirty="0"/>
+              <a:t> lots of variability within a site)</a:t>
+            </a:r>
+          </a:p>
+        </p:txBody>
+      </p:sp>
+      <p:pic>
+        <p:nvPicPr>
+          <p:cNvPr id="4" name="Picture 3">
+            <a:extLst>
+              <a:ext uri="{FF2B5EF4-FFF2-40B4-BE49-F238E27FC236}">
+                <a16:creationId xmlns:a16="http://schemas.microsoft.com/office/drawing/2014/main" id="{80CBF9F0-6413-42F0-89D6-99BC4D9B4FA5}"/>
+              </a:ext>
+            </a:extLst>
+          </p:cNvPr>
+          <p:cNvPicPr>
+            <a:picLocks noChangeAspect="1"/>
+          </p:cNvPicPr>
+          <p:nvPr/>
+        </p:nvPicPr>
+        <p:blipFill>
+          <a:blip r:embed="rId2"/>
+          <a:stretch>
+            <a:fillRect/>
+          </a:stretch>
+        </p:blipFill>
+        <p:spPr>
+          <a:xfrm>
+            <a:off x="6283336" y="3000178"/>
+            <a:ext cx="5501484" cy="3492697"/>
+          </a:xfrm>
+          <a:prstGeom prst="rect">
+            <a:avLst/>
+          </a:prstGeom>
+        </p:spPr>
+      </p:pic>
+      <p:pic>
+        <p:nvPicPr>
+          <p:cNvPr id="6" name="Picture 5">
+            <a:extLst>
+              <a:ext uri="{FF2B5EF4-FFF2-40B4-BE49-F238E27FC236}">
+                <a16:creationId xmlns:a16="http://schemas.microsoft.com/office/drawing/2014/main" id="{481FA5A0-3AC3-4426-83BD-67FC7BA39D05}"/>
+              </a:ext>
+            </a:extLst>
+          </p:cNvPr>
+          <p:cNvPicPr>
+            <a:picLocks noChangeAspect="1"/>
+          </p:cNvPicPr>
+          <p:nvPr/>
+        </p:nvPicPr>
+        <p:blipFill>
+          <a:blip r:embed="rId3"/>
+          <a:stretch>
+            <a:fillRect/>
+          </a:stretch>
+        </p:blipFill>
+        <p:spPr>
+          <a:xfrm>
+            <a:off x="2014537" y="3565426"/>
+            <a:ext cx="2085975" cy="1495425"/>
+          </a:xfrm>
+          <a:prstGeom prst="rect">
+            <a:avLst/>
+          </a:prstGeom>
+        </p:spPr>
+      </p:pic>
+    </p:spTree>
+    <p:extLst>
+      <p:ext uri="{BB962C8B-B14F-4D97-AF65-F5344CB8AC3E}">
+        <p14:creationId xmlns:p14="http://schemas.microsoft.com/office/powerpoint/2010/main" val="1870847199"/>
+      </p:ext>
+    </p:extLst>
+  </p:cSld>
+  <p:clrMapOvr>
+    <a:masterClrMapping/>
+  </p:clrMapOvr>
+</p:sld>
+</file>
+
+<file path=ppt/slides/slide6.xml><?xml version="1.0" encoding="utf-8"?>
+<p:sld xmlns:a="http://schemas.openxmlformats.org/drawingml/2006/main" xmlns:r="http://schemas.openxmlformats.org/officeDocument/2006/relationships" xmlns:p="http://schemas.openxmlformats.org/presentationml/2006/main">
+  <p:cSld>
+    <p:spTree>
+      <p:nvGrpSpPr>
+        <p:cNvPr id="1" name=""/>
+        <p:cNvGrpSpPr/>
+        <p:nvPr/>
+      </p:nvGrpSpPr>
+      <p:grpSpPr>
+        <a:xfrm>
+          <a:off x="0" y="0"/>
+          <a:ext cx="0" cy="0"/>
+          <a:chOff x="0" y="0"/>
+          <a:chExt cx="0" cy="0"/>
+        </a:xfrm>
+      </p:grpSpPr>
+      <p:pic>
+        <p:nvPicPr>
+          <p:cNvPr id="5" name="Picture 4">
+            <a:extLst>
+              <a:ext uri="{FF2B5EF4-FFF2-40B4-BE49-F238E27FC236}">
                 <a16:creationId xmlns:a16="http://schemas.microsoft.com/office/drawing/2014/main" id="{ECB09C12-4C1C-4B64-9FCD-6C722770A6E9}"/>
               </a:ext>
             </a:extLst>
@@ -7365,7 +8405,7 @@
 </p:sld>
 </file>
 
-<file path=ppt/slides/slide5.xml><?xml version="1.0" encoding="utf-8"?>
+<file path=ppt/slides/slide7.xml><?xml version="1.0" encoding="utf-8"?>
 <p:sld xmlns:a="http://schemas.openxmlformats.org/drawingml/2006/main" xmlns:r="http://schemas.openxmlformats.org/officeDocument/2006/relationships" xmlns:p="http://schemas.openxmlformats.org/presentationml/2006/main">
   <p:cSld>
     <p:spTree>
@@ -7423,7 +8463,7 @@
 </p:sld>
 </file>
 
-<file path=ppt/slides/slide6.xml><?xml version="1.0" encoding="utf-8"?>
+<file path=ppt/slides/slide8.xml><?xml version="1.0" encoding="utf-8"?>
 <p:sld xmlns:a="http://schemas.openxmlformats.org/drawingml/2006/main" xmlns:r="http://schemas.openxmlformats.org/officeDocument/2006/relationships" xmlns:p="http://schemas.openxmlformats.org/presentationml/2006/main">
   <p:cSld>
     <p:spTree>
@@ -7483,7 +8523,7 @@
 </p:sld>
 </file>
 
-<file path=ppt/slides/slide7.xml><?xml version="1.0" encoding="utf-8"?>
+<file path=ppt/slides/slide9.xml><?xml version="1.0" encoding="utf-8"?>
 <p:sld xmlns:a="http://schemas.openxmlformats.org/drawingml/2006/main" xmlns:r="http://schemas.openxmlformats.org/officeDocument/2006/relationships" xmlns:p="http://schemas.openxmlformats.org/presentationml/2006/main">
   <p:cSld>
     <p:spTree>
@@ -7738,784 +8778,6 @@
     <p:extLst>
       <p:ext uri="{BB962C8B-B14F-4D97-AF65-F5344CB8AC3E}">
         <p14:creationId xmlns:p14="http://schemas.microsoft.com/office/powerpoint/2010/main" val="2558629365"/>
-      </p:ext>
-    </p:extLst>
-  </p:cSld>
-  <p:clrMapOvr>
-    <a:masterClrMapping/>
-  </p:clrMapOvr>
-</p:sld>
-</file>
-
-<file path=ppt/slides/slide8.xml><?xml version="1.0" encoding="utf-8"?>
-<p:sld xmlns:a="http://schemas.openxmlformats.org/drawingml/2006/main" xmlns:r="http://schemas.openxmlformats.org/officeDocument/2006/relationships" xmlns:p="http://schemas.openxmlformats.org/presentationml/2006/main">
-  <p:cSld>
-    <p:spTree>
-      <p:nvGrpSpPr>
-        <p:cNvPr id="1" name=""/>
-        <p:cNvGrpSpPr/>
-        <p:nvPr/>
-      </p:nvGrpSpPr>
-      <p:grpSpPr>
-        <a:xfrm>
-          <a:off x="0" y="0"/>
-          <a:ext cx="0" cy="0"/>
-          <a:chOff x="0" y="0"/>
-          <a:chExt cx="0" cy="0"/>
-        </a:xfrm>
-      </p:grpSpPr>
-      <p:pic>
-        <p:nvPicPr>
-          <p:cNvPr id="17" name="Picture 16">
-            <a:extLst>
-              <a:ext uri="{FF2B5EF4-FFF2-40B4-BE49-F238E27FC236}">
-                <a16:creationId xmlns:a16="http://schemas.microsoft.com/office/drawing/2014/main" id="{1CD46A8E-5A22-426A-8338-0DA234B3A0F2}"/>
-              </a:ext>
-            </a:extLst>
-          </p:cNvPr>
-          <p:cNvPicPr>
-            <a:picLocks noChangeAspect="1"/>
-          </p:cNvPicPr>
-          <p:nvPr/>
-        </p:nvPicPr>
-        <p:blipFill>
-          <a:blip r:embed="rId2"/>
-          <a:stretch>
-            <a:fillRect/>
-          </a:stretch>
-        </p:blipFill>
-        <p:spPr>
-          <a:xfrm>
-            <a:off x="1359679" y="422078"/>
-            <a:ext cx="9472641" cy="6013844"/>
-          </a:xfrm>
-          <a:prstGeom prst="rect">
-            <a:avLst/>
-          </a:prstGeom>
-        </p:spPr>
-      </p:pic>
-      <p:grpSp>
-        <p:nvGrpSpPr>
-          <p:cNvPr id="6" name="Group 5">
-            <a:extLst>
-              <a:ext uri="{FF2B5EF4-FFF2-40B4-BE49-F238E27FC236}">
-                <a16:creationId xmlns:a16="http://schemas.microsoft.com/office/drawing/2014/main" id="{44D58CBA-14FF-48D5-9F9A-9F21971CDF1B}"/>
-              </a:ext>
-            </a:extLst>
-          </p:cNvPr>
-          <p:cNvGrpSpPr/>
-          <p:nvPr/>
-        </p:nvGrpSpPr>
-        <p:grpSpPr>
-          <a:xfrm>
-            <a:off x="9090532" y="2027903"/>
-            <a:ext cx="2775998" cy="2526657"/>
-            <a:chOff x="5300662" y="2705099"/>
-            <a:chExt cx="2775998" cy="2526657"/>
-          </a:xfrm>
-        </p:grpSpPr>
-        <p:pic>
-          <p:nvPicPr>
-            <p:cNvPr id="3" name="Picture 2">
-              <a:extLst>
-                <a:ext uri="{FF2B5EF4-FFF2-40B4-BE49-F238E27FC236}">
-                  <a16:creationId xmlns:a16="http://schemas.microsoft.com/office/drawing/2014/main" id="{051B18FE-6816-4D56-B789-6D454ECFD006}"/>
-                </a:ext>
-              </a:extLst>
-            </p:cNvPr>
-            <p:cNvPicPr>
-              <a:picLocks noChangeAspect="1"/>
-            </p:cNvPicPr>
-            <p:nvPr/>
-          </p:nvPicPr>
-          <p:blipFill>
-            <a:blip r:embed="rId3"/>
-            <a:stretch>
-              <a:fillRect/>
-            </a:stretch>
-          </p:blipFill>
-          <p:spPr>
-            <a:xfrm>
-              <a:off x="5300662" y="2705099"/>
-              <a:ext cx="2775998" cy="2526657"/>
-            </a:xfrm>
-            <a:prstGeom prst="rect">
-              <a:avLst/>
-            </a:prstGeom>
-          </p:spPr>
-        </p:pic>
-        <p:sp>
-          <p:nvSpPr>
-            <p:cNvPr id="4" name="TextBox 3">
-              <a:extLst>
-                <a:ext uri="{FF2B5EF4-FFF2-40B4-BE49-F238E27FC236}">
-                  <a16:creationId xmlns:a16="http://schemas.microsoft.com/office/drawing/2014/main" id="{E939DA30-A53B-4B33-AA27-92870385FF18}"/>
-                </a:ext>
-              </a:extLst>
-            </p:cNvPr>
-            <p:cNvSpPr txBox="1"/>
-            <p:nvPr/>
-          </p:nvSpPr>
-          <p:spPr>
-            <a:xfrm>
-              <a:off x="6121111" y="3207047"/>
-              <a:ext cx="1874552" cy="646331"/>
-            </a:xfrm>
-            <a:prstGeom prst="rect">
-              <a:avLst/>
-            </a:prstGeom>
-            <a:noFill/>
-          </p:spPr>
-          <p:txBody>
-            <a:bodyPr wrap="none" rtlCol="0">
-              <a:spAutoFit/>
-            </a:bodyPr>
-            <a:lstStyle/>
-            <a:p>
-              <a:r>
-                <a:rPr lang="en-US" b="1" dirty="0"/>
-                <a:t>Gap = 5331 kg/ha</a:t>
-              </a:r>
-            </a:p>
-            <a:p>
-              <a:r>
-                <a:rPr lang="en-US" b="1" dirty="0"/>
-                <a:t>%N = 10%</a:t>
-              </a:r>
-            </a:p>
-          </p:txBody>
-        </p:sp>
-        <p:sp>
-          <p:nvSpPr>
-            <p:cNvPr id="5" name="TextBox 4">
-              <a:extLst>
-                <a:ext uri="{FF2B5EF4-FFF2-40B4-BE49-F238E27FC236}">
-                  <a16:creationId xmlns:a16="http://schemas.microsoft.com/office/drawing/2014/main" id="{FCB81D5B-4A90-4EF2-92C3-678BC4A24E77}"/>
-                </a:ext>
-              </a:extLst>
-            </p:cNvPr>
-            <p:cNvSpPr txBox="1"/>
-            <p:nvPr/>
-          </p:nvSpPr>
-          <p:spPr>
-            <a:xfrm>
-              <a:off x="5584403" y="2837715"/>
-              <a:ext cx="821059" cy="369332"/>
-            </a:xfrm>
-            <a:prstGeom prst="rect">
-              <a:avLst/>
-            </a:prstGeom>
-            <a:noFill/>
-          </p:spPr>
-          <p:txBody>
-            <a:bodyPr wrap="none" rtlCol="0">
-              <a:spAutoFit/>
-            </a:bodyPr>
-            <a:lstStyle/>
-            <a:p>
-              <a:r>
-                <a:rPr lang="en-US" b="1" dirty="0" err="1"/>
-                <a:t>Monm</a:t>
-              </a:r>
-              <a:endParaRPr lang="en-US" b="1" dirty="0"/>
-            </a:p>
-          </p:txBody>
-        </p:sp>
-      </p:grpSp>
-      <p:grpSp>
-        <p:nvGrpSpPr>
-          <p:cNvPr id="13" name="Group 12">
-            <a:extLst>
-              <a:ext uri="{FF2B5EF4-FFF2-40B4-BE49-F238E27FC236}">
-                <a16:creationId xmlns:a16="http://schemas.microsoft.com/office/drawing/2014/main" id="{04C59C44-22F3-480B-806C-3FE46BEE217D}"/>
-              </a:ext>
-            </a:extLst>
-          </p:cNvPr>
-          <p:cNvGrpSpPr/>
-          <p:nvPr/>
-        </p:nvGrpSpPr>
-        <p:grpSpPr>
-          <a:xfrm>
-            <a:off x="5268645" y="2176096"/>
-            <a:ext cx="2858478" cy="2505808"/>
-            <a:chOff x="4666761" y="2176095"/>
-            <a:chExt cx="2858478" cy="2505808"/>
-          </a:xfrm>
-        </p:grpSpPr>
-        <p:pic>
-          <p:nvPicPr>
-            <p:cNvPr id="8" name="Picture 7">
-              <a:extLst>
-                <a:ext uri="{FF2B5EF4-FFF2-40B4-BE49-F238E27FC236}">
-                  <a16:creationId xmlns:a16="http://schemas.microsoft.com/office/drawing/2014/main" id="{9D838016-A873-45AB-821B-AC538BF721F0}"/>
-                </a:ext>
-              </a:extLst>
-            </p:cNvPr>
-            <p:cNvPicPr>
-              <a:picLocks noChangeAspect="1"/>
-            </p:cNvPicPr>
-            <p:nvPr/>
-          </p:nvPicPr>
-          <p:blipFill>
-            <a:blip r:embed="rId4"/>
-            <a:stretch>
-              <a:fillRect/>
-            </a:stretch>
-          </p:blipFill>
-          <p:spPr>
-            <a:xfrm>
-              <a:off x="4666761" y="2176095"/>
-              <a:ext cx="2858478" cy="2505808"/>
-            </a:xfrm>
-            <a:prstGeom prst="rect">
-              <a:avLst/>
-            </a:prstGeom>
-          </p:spPr>
-        </p:pic>
-        <p:sp>
-          <p:nvSpPr>
-            <p:cNvPr id="9" name="TextBox 8">
-              <a:extLst>
-                <a:ext uri="{FF2B5EF4-FFF2-40B4-BE49-F238E27FC236}">
-                  <a16:creationId xmlns:a16="http://schemas.microsoft.com/office/drawing/2014/main" id="{EBB67EDD-F860-4755-A249-472176D1B6D2}"/>
-                </a:ext>
-              </a:extLst>
-            </p:cNvPr>
-            <p:cNvSpPr txBox="1"/>
-            <p:nvPr/>
-          </p:nvSpPr>
-          <p:spPr>
-            <a:xfrm>
-              <a:off x="4782027" y="2726686"/>
-              <a:ext cx="1874552" cy="646331"/>
-            </a:xfrm>
-            <a:prstGeom prst="rect">
-              <a:avLst/>
-            </a:prstGeom>
-            <a:noFill/>
-          </p:spPr>
-          <p:txBody>
-            <a:bodyPr wrap="none" rtlCol="0">
-              <a:spAutoFit/>
-            </a:bodyPr>
-            <a:lstStyle/>
-            <a:p>
-              <a:r>
-                <a:rPr lang="en-US" b="1" dirty="0"/>
-                <a:t>Gap = 4502 kg/ha</a:t>
-              </a:r>
-            </a:p>
-            <a:p>
-              <a:r>
-                <a:rPr lang="en-US" b="1" dirty="0"/>
-                <a:t>%N = 10%</a:t>
-              </a:r>
-            </a:p>
-          </p:txBody>
-        </p:sp>
-        <p:sp>
-          <p:nvSpPr>
-            <p:cNvPr id="10" name="TextBox 9">
-              <a:extLst>
-                <a:ext uri="{FF2B5EF4-FFF2-40B4-BE49-F238E27FC236}">
-                  <a16:creationId xmlns:a16="http://schemas.microsoft.com/office/drawing/2014/main" id="{B27FE7CA-9656-48B7-9CCE-A1E6ECA22528}"/>
-                </a:ext>
-              </a:extLst>
-            </p:cNvPr>
-            <p:cNvSpPr txBox="1"/>
-            <p:nvPr/>
-          </p:nvSpPr>
-          <p:spPr>
-            <a:xfrm>
-              <a:off x="4868702" y="2357354"/>
-              <a:ext cx="666721" cy="369332"/>
-            </a:xfrm>
-            <a:prstGeom prst="rect">
-              <a:avLst/>
-            </a:prstGeom>
-            <a:noFill/>
-          </p:spPr>
-          <p:txBody>
-            <a:bodyPr wrap="none" rtlCol="0">
-              <a:spAutoFit/>
-            </a:bodyPr>
-            <a:lstStyle/>
-            <a:p>
-              <a:r>
-                <a:rPr lang="en-US" b="1" dirty="0"/>
-                <a:t>Craw</a:t>
-              </a:r>
-            </a:p>
-          </p:txBody>
-        </p:sp>
-      </p:grpSp>
-      <p:cxnSp>
-        <p:nvCxnSpPr>
-          <p:cNvPr id="15" name="Straight Arrow Connector 14">
-            <a:extLst>
-              <a:ext uri="{FF2B5EF4-FFF2-40B4-BE49-F238E27FC236}">
-                <a16:creationId xmlns:a16="http://schemas.microsoft.com/office/drawing/2014/main" id="{C6D86D73-63ED-42FF-95DA-7F67F5A2A3AF}"/>
-              </a:ext>
-            </a:extLst>
-          </p:cNvPr>
-          <p:cNvCxnSpPr>
-            <a:cxnSpLocks/>
-          </p:cNvCxnSpPr>
-          <p:nvPr/>
-        </p:nvCxnSpPr>
-        <p:spPr>
-          <a:xfrm>
-            <a:off x="7592992" y="4352081"/>
-            <a:ext cx="1365813" cy="706056"/>
-          </a:xfrm>
-          <a:prstGeom prst="straightConnector1">
-            <a:avLst/>
-          </a:prstGeom>
-          <a:ln w="57150">
-            <a:tailEnd type="triangle"/>
-          </a:ln>
-        </p:spPr>
-        <p:style>
-          <a:lnRef idx="1">
-            <a:schemeClr val="accent1"/>
-          </a:lnRef>
-          <a:fillRef idx="0">
-            <a:schemeClr val="accent1"/>
-          </a:fillRef>
-          <a:effectRef idx="0">
-            <a:schemeClr val="accent1"/>
-          </a:effectRef>
-          <a:fontRef idx="minor">
-            <a:schemeClr val="tx1"/>
-          </a:fontRef>
-        </p:style>
-      </p:cxnSp>
-      <p:cxnSp>
-        <p:nvCxnSpPr>
-          <p:cNvPr id="16" name="Straight Arrow Connector 15">
-            <a:extLst>
-              <a:ext uri="{FF2B5EF4-FFF2-40B4-BE49-F238E27FC236}">
-                <a16:creationId xmlns:a16="http://schemas.microsoft.com/office/drawing/2014/main" id="{551F4979-A1D2-4815-B229-36A740063E5C}"/>
-              </a:ext>
-            </a:extLst>
-          </p:cNvPr>
-          <p:cNvCxnSpPr>
-            <a:cxnSpLocks/>
-          </p:cNvCxnSpPr>
-          <p:nvPr/>
-        </p:nvCxnSpPr>
-        <p:spPr>
-          <a:xfrm flipH="1">
-            <a:off x="10359342" y="4247853"/>
-            <a:ext cx="189053" cy="810284"/>
-          </a:xfrm>
-          <a:prstGeom prst="straightConnector1">
-            <a:avLst/>
-          </a:prstGeom>
-          <a:ln w="57150">
-            <a:tailEnd type="triangle"/>
-          </a:ln>
-        </p:spPr>
-        <p:style>
-          <a:lnRef idx="1">
-            <a:schemeClr val="accent1"/>
-          </a:lnRef>
-          <a:fillRef idx="0">
-            <a:schemeClr val="accent1"/>
-          </a:fillRef>
-          <a:effectRef idx="0">
-            <a:schemeClr val="accent1"/>
-          </a:effectRef>
-          <a:fontRef idx="minor">
-            <a:schemeClr val="tx1"/>
-          </a:fontRef>
-        </p:style>
-      </p:cxnSp>
-      <p:sp>
-        <p:nvSpPr>
-          <p:cNvPr id="14" name="TextBox 13">
-            <a:extLst>
-              <a:ext uri="{FF2B5EF4-FFF2-40B4-BE49-F238E27FC236}">
-                <a16:creationId xmlns:a16="http://schemas.microsoft.com/office/drawing/2014/main" id="{CE26B26D-54A2-4280-A3E3-0F702CF4CCD3}"/>
-              </a:ext>
-            </a:extLst>
-          </p:cNvPr>
-          <p:cNvSpPr txBox="1"/>
-          <p:nvPr/>
-        </p:nvSpPr>
-        <p:spPr>
-          <a:xfrm>
-            <a:off x="7258463" y="1682736"/>
-            <a:ext cx="4460708" cy="369332"/>
-          </a:xfrm>
-          <a:prstGeom prst="rect">
-            <a:avLst/>
-          </a:prstGeom>
-          <a:noFill/>
-        </p:spPr>
-        <p:txBody>
-          <a:bodyPr wrap="none" rtlCol="0">
-            <a:spAutoFit/>
-          </a:bodyPr>
-          <a:lstStyle/>
-          <a:p>
-            <a:r>
-              <a:rPr lang="en-US" b="1" i="1" dirty="0"/>
-              <a:t>Large gaps, NOT over-come with fertilization</a:t>
-            </a:r>
-          </a:p>
-        </p:txBody>
-      </p:sp>
-    </p:spTree>
-    <p:extLst>
-      <p:ext uri="{BB962C8B-B14F-4D97-AF65-F5344CB8AC3E}">
-        <p14:creationId xmlns:p14="http://schemas.microsoft.com/office/powerpoint/2010/main" val="1525101799"/>
-      </p:ext>
-    </p:extLst>
-  </p:cSld>
-  <p:clrMapOvr>
-    <a:masterClrMapping/>
-  </p:clrMapOvr>
-</p:sld>
-</file>
-
-<file path=ppt/slides/slide9.xml><?xml version="1.0" encoding="utf-8"?>
-<p:sld xmlns:a="http://schemas.openxmlformats.org/drawingml/2006/main" xmlns:r="http://schemas.openxmlformats.org/officeDocument/2006/relationships" xmlns:p="http://schemas.openxmlformats.org/presentationml/2006/main">
-  <p:cSld>
-    <p:spTree>
-      <p:nvGrpSpPr>
-        <p:cNvPr id="1" name=""/>
-        <p:cNvGrpSpPr/>
-        <p:nvPr/>
-      </p:nvGrpSpPr>
-      <p:grpSpPr>
-        <a:xfrm>
-          <a:off x="0" y="0"/>
-          <a:ext cx="0" cy="0"/>
-          <a:chOff x="0" y="0"/>
-          <a:chExt cx="0" cy="0"/>
-        </a:xfrm>
-      </p:grpSpPr>
-      <p:pic>
-        <p:nvPicPr>
-          <p:cNvPr id="3" name="Picture 2">
-            <a:extLst>
-              <a:ext uri="{FF2B5EF4-FFF2-40B4-BE49-F238E27FC236}">
-                <a16:creationId xmlns:a16="http://schemas.microsoft.com/office/drawing/2014/main" id="{7B0AF309-9577-4369-8067-BFF49A6914C3}"/>
-              </a:ext>
-            </a:extLst>
-          </p:cNvPr>
-          <p:cNvPicPr>
-            <a:picLocks noChangeAspect="1"/>
-          </p:cNvPicPr>
-          <p:nvPr/>
-        </p:nvPicPr>
-        <p:blipFill>
-          <a:blip r:embed="rId2"/>
-          <a:stretch>
-            <a:fillRect/>
-          </a:stretch>
-        </p:blipFill>
-        <p:spPr>
-          <a:xfrm>
-            <a:off x="1359679" y="688301"/>
-            <a:ext cx="9472641" cy="6013844"/>
-          </a:xfrm>
-          <a:prstGeom prst="rect">
-            <a:avLst/>
-          </a:prstGeom>
-        </p:spPr>
-      </p:pic>
-      <p:cxnSp>
-        <p:nvCxnSpPr>
-          <p:cNvPr id="5" name="Straight Connector 4">
-            <a:extLst>
-              <a:ext uri="{FF2B5EF4-FFF2-40B4-BE49-F238E27FC236}">
-                <a16:creationId xmlns:a16="http://schemas.microsoft.com/office/drawing/2014/main" id="{DB56AC11-1757-4D21-825D-86FA40F871F5}"/>
-              </a:ext>
-            </a:extLst>
-          </p:cNvPr>
-          <p:cNvCxnSpPr>
-            <a:cxnSpLocks/>
-          </p:cNvCxnSpPr>
-          <p:nvPr/>
-        </p:nvCxnSpPr>
-        <p:spPr>
-          <a:xfrm flipH="1">
-            <a:off x="4224759" y="486142"/>
-            <a:ext cx="81023" cy="6111433"/>
-          </a:xfrm>
-          <a:prstGeom prst="line">
-            <a:avLst/>
-          </a:prstGeom>
-        </p:spPr>
-        <p:style>
-          <a:lnRef idx="1">
-            <a:schemeClr val="accent1"/>
-          </a:lnRef>
-          <a:fillRef idx="0">
-            <a:schemeClr val="accent1"/>
-          </a:fillRef>
-          <a:effectRef idx="0">
-            <a:schemeClr val="accent1"/>
-          </a:effectRef>
-          <a:fontRef idx="minor">
-            <a:schemeClr val="tx1"/>
-          </a:fontRef>
-        </p:style>
-      </p:cxnSp>
-      <p:cxnSp>
-        <p:nvCxnSpPr>
-          <p:cNvPr id="7" name="Straight Connector 6">
-            <a:extLst>
-              <a:ext uri="{FF2B5EF4-FFF2-40B4-BE49-F238E27FC236}">
-                <a16:creationId xmlns:a16="http://schemas.microsoft.com/office/drawing/2014/main" id="{EC2CE208-ECCA-418E-9A85-598EAF48E490}"/>
-              </a:ext>
-            </a:extLst>
-          </p:cNvPr>
-          <p:cNvCxnSpPr>
-            <a:cxnSpLocks/>
-          </p:cNvCxnSpPr>
-          <p:nvPr/>
-        </p:nvCxnSpPr>
-        <p:spPr>
-          <a:xfrm>
-            <a:off x="995423" y="3541858"/>
-            <a:ext cx="10394066" cy="0"/>
-          </a:xfrm>
-          <a:prstGeom prst="line">
-            <a:avLst/>
-          </a:prstGeom>
-        </p:spPr>
-        <p:style>
-          <a:lnRef idx="1">
-            <a:schemeClr val="accent1"/>
-          </a:lnRef>
-          <a:fillRef idx="0">
-            <a:schemeClr val="accent1"/>
-          </a:fillRef>
-          <a:effectRef idx="0">
-            <a:schemeClr val="accent1"/>
-          </a:effectRef>
-          <a:fontRef idx="minor">
-            <a:schemeClr val="tx1"/>
-          </a:fontRef>
-        </p:style>
-      </p:cxnSp>
-      <p:sp>
-        <p:nvSpPr>
-          <p:cNvPr id="11" name="TextBox 10">
-            <a:extLst>
-              <a:ext uri="{FF2B5EF4-FFF2-40B4-BE49-F238E27FC236}">
-                <a16:creationId xmlns:a16="http://schemas.microsoft.com/office/drawing/2014/main" id="{BDFE842E-7E4D-447D-9C4B-E2F5C5427060}"/>
-              </a:ext>
-            </a:extLst>
-          </p:cNvPr>
-          <p:cNvSpPr txBox="1"/>
-          <p:nvPr/>
-        </p:nvSpPr>
-        <p:spPr>
-          <a:xfrm>
-            <a:off x="2480131" y="4415946"/>
-            <a:ext cx="652743" cy="646331"/>
-          </a:xfrm>
-          <a:prstGeom prst="rect">
-            <a:avLst/>
-          </a:prstGeom>
-          <a:noFill/>
-        </p:spPr>
-        <p:txBody>
-          <a:bodyPr wrap="none" rtlCol="0">
-            <a:spAutoFit/>
-          </a:bodyPr>
-          <a:lstStyle/>
-          <a:p>
-            <a:r>
-              <a:rPr lang="en-US" sz="3600" b="1" dirty="0"/>
-              <a:t>38</a:t>
-            </a:r>
-          </a:p>
-        </p:txBody>
-      </p:sp>
-      <p:sp>
-        <p:nvSpPr>
-          <p:cNvPr id="12" name="TextBox 11">
-            <a:extLst>
-              <a:ext uri="{FF2B5EF4-FFF2-40B4-BE49-F238E27FC236}">
-                <a16:creationId xmlns:a16="http://schemas.microsoft.com/office/drawing/2014/main" id="{B9474D77-1C59-4E5E-8E5B-AC54A3CCDEA3}"/>
-              </a:ext>
-            </a:extLst>
-          </p:cNvPr>
-          <p:cNvSpPr txBox="1"/>
-          <p:nvPr/>
-        </p:nvSpPr>
-        <p:spPr>
-          <a:xfrm>
-            <a:off x="7886220" y="4415945"/>
-            <a:ext cx="652743" cy="646331"/>
-          </a:xfrm>
-          <a:prstGeom prst="rect">
-            <a:avLst/>
-          </a:prstGeom>
-          <a:noFill/>
-        </p:spPr>
-        <p:txBody>
-          <a:bodyPr wrap="none" rtlCol="0">
-            <a:spAutoFit/>
-          </a:bodyPr>
-          <a:lstStyle/>
-          <a:p>
-            <a:r>
-              <a:rPr lang="en-US" sz="3600" b="1" dirty="0"/>
-              <a:t>43</a:t>
-            </a:r>
-          </a:p>
-        </p:txBody>
-      </p:sp>
-      <p:sp>
-        <p:nvSpPr>
-          <p:cNvPr id="13" name="TextBox 12">
-            <a:extLst>
-              <a:ext uri="{FF2B5EF4-FFF2-40B4-BE49-F238E27FC236}">
-                <a16:creationId xmlns:a16="http://schemas.microsoft.com/office/drawing/2014/main" id="{7B311F9D-BABF-4544-BA8E-EE7D558858C8}"/>
-              </a:ext>
-            </a:extLst>
-          </p:cNvPr>
-          <p:cNvSpPr txBox="1"/>
-          <p:nvPr/>
-        </p:nvSpPr>
-        <p:spPr>
-          <a:xfrm>
-            <a:off x="2806502" y="1859311"/>
-            <a:ext cx="652743" cy="646331"/>
-          </a:xfrm>
-          <a:prstGeom prst="rect">
-            <a:avLst/>
-          </a:prstGeom>
-          <a:noFill/>
-        </p:spPr>
-        <p:txBody>
-          <a:bodyPr wrap="none" rtlCol="0">
-            <a:spAutoFit/>
-          </a:bodyPr>
-          <a:lstStyle/>
-          <a:p>
-            <a:r>
-              <a:rPr lang="en-US" sz="3600" b="1" dirty="0"/>
-              <a:t>26</a:t>
-            </a:r>
-          </a:p>
-        </p:txBody>
-      </p:sp>
-      <p:sp>
-        <p:nvSpPr>
-          <p:cNvPr id="14" name="TextBox 13">
-            <a:extLst>
-              <a:ext uri="{FF2B5EF4-FFF2-40B4-BE49-F238E27FC236}">
-                <a16:creationId xmlns:a16="http://schemas.microsoft.com/office/drawing/2014/main" id="{5209C65E-29AA-4894-A886-E6E928BB4766}"/>
-              </a:ext>
-            </a:extLst>
-          </p:cNvPr>
-          <p:cNvSpPr txBox="1"/>
-          <p:nvPr/>
-        </p:nvSpPr>
-        <p:spPr>
-          <a:xfrm>
-            <a:off x="8212591" y="2146908"/>
-            <a:ext cx="652743" cy="646331"/>
-          </a:xfrm>
-          <a:prstGeom prst="rect">
-            <a:avLst/>
-          </a:prstGeom>
-          <a:noFill/>
-        </p:spPr>
-        <p:txBody>
-          <a:bodyPr wrap="none" rtlCol="0">
-            <a:spAutoFit/>
-          </a:bodyPr>
-          <a:lstStyle/>
-          <a:p>
-            <a:r>
-              <a:rPr lang="en-US" sz="3600" b="1" dirty="0"/>
-              <a:t>14</a:t>
-            </a:r>
-          </a:p>
-        </p:txBody>
-      </p:sp>
-      <p:sp>
-        <p:nvSpPr>
-          <p:cNvPr id="17" name="TextBox 16">
-            <a:extLst>
-              <a:ext uri="{FF2B5EF4-FFF2-40B4-BE49-F238E27FC236}">
-                <a16:creationId xmlns:a16="http://schemas.microsoft.com/office/drawing/2014/main" id="{B02AB03D-5EE5-4E39-A4A8-DDB42A266A99}"/>
-              </a:ext>
-            </a:extLst>
-          </p:cNvPr>
-          <p:cNvSpPr txBox="1"/>
-          <p:nvPr/>
-        </p:nvSpPr>
-        <p:spPr>
-          <a:xfrm>
-            <a:off x="190177" y="225706"/>
-            <a:ext cx="6494855" cy="369332"/>
-          </a:xfrm>
-          <a:prstGeom prst="rect">
-            <a:avLst/>
-          </a:prstGeom>
-          <a:noFill/>
-        </p:spPr>
-        <p:txBody>
-          <a:bodyPr wrap="none" rtlCol="0">
-            <a:spAutoFit/>
-          </a:bodyPr>
-          <a:lstStyle/>
-          <a:p>
-            <a:r>
-              <a:rPr lang="en-US" dirty="0"/>
-              <a:t>N overcomes 50% of gap roughly half of the time at lower penalties</a:t>
-            </a:r>
-          </a:p>
-        </p:txBody>
-      </p:sp>
-      <p:sp>
-        <p:nvSpPr>
-          <p:cNvPr id="18" name="TextBox 17">
-            <a:extLst>
-              <a:ext uri="{FF2B5EF4-FFF2-40B4-BE49-F238E27FC236}">
-                <a16:creationId xmlns:a16="http://schemas.microsoft.com/office/drawing/2014/main" id="{CC148CE3-C7BC-48FD-963C-0576CA73CC8F}"/>
-              </a:ext>
-            </a:extLst>
-          </p:cNvPr>
-          <p:cNvSpPr txBox="1"/>
-          <p:nvPr/>
-        </p:nvSpPr>
-        <p:spPr>
-          <a:xfrm>
-            <a:off x="7170862" y="133437"/>
-            <a:ext cx="4623741" cy="646317"/>
-          </a:xfrm>
-          <a:prstGeom prst="rect">
-            <a:avLst/>
-          </a:prstGeom>
-          <a:noFill/>
-        </p:spPr>
-        <p:txBody>
-          <a:bodyPr wrap="square" rtlCol="0">
-            <a:spAutoFit/>
-          </a:bodyPr>
-          <a:lstStyle/>
-          <a:p>
-            <a:r>
-              <a:rPr lang="en-US" dirty="0"/>
-              <a:t>N overcomes 50% of gap a quarter of the time at higher penalties</a:t>
-            </a:r>
-          </a:p>
-        </p:txBody>
-      </p:sp>
-    </p:spTree>
-    <p:extLst>
-      <p:ext uri="{BB962C8B-B14F-4D97-AF65-F5344CB8AC3E}">
-        <p14:creationId xmlns:p14="http://schemas.microsoft.com/office/powerpoint/2010/main" val="1642199939"/>
       </p:ext>
     </p:extLst>
   </p:cSld>
